--- a/DetailInfo/vender.pptx
+++ b/DetailInfo/vender.pptx
@@ -4,6 +4,12 @@
   <p:sldMasterIdLst>
     <p:sldMasterId id="2147483648" r:id="rId1"/>
   </p:sldMasterIdLst>
+  <p:sldIdLst>
+    <p:sldId id="256" r:id="rId2"/>
+    <p:sldId id="257" r:id="rId3"/>
+    <p:sldId id="258" r:id="rId4"/>
+    <p:sldId id="259" r:id="rId5"/>
+  </p:sldIdLst>
   <p:sldSz cx="9144000" cy="6858000" type="screen4x3"/>
   <p:notesSz cx="6858000" cy="9144000"/>
   <p:defaultTextStyle>
@@ -286,7 +292,7 @@
             <a:fld id="{1D8BD707-D9CF-40AE-B4C6-C98DA3205C09}" type="datetimeFigureOut">
               <a:rPr lang="en-US" smtClean="0"/>
               <a:pPr/>
-              <a:t>9/18/2006</a:t>
+              <a:t>8/28/2015</a:t>
             </a:fld>
             <a:endParaRPr lang="en-US"/>
           </a:p>
@@ -453,7 +459,7 @@
             <a:fld id="{1D8BD707-D9CF-40AE-B4C6-C98DA3205C09}" type="datetimeFigureOut">
               <a:rPr lang="en-US" smtClean="0"/>
               <a:pPr/>
-              <a:t>9/18/2006</a:t>
+              <a:t>8/28/2015</a:t>
             </a:fld>
             <a:endParaRPr lang="en-US"/>
           </a:p>
@@ -630,7 +636,7 @@
             <a:fld id="{1D8BD707-D9CF-40AE-B4C6-C98DA3205C09}" type="datetimeFigureOut">
               <a:rPr lang="en-US" smtClean="0"/>
               <a:pPr/>
-              <a:t>9/18/2006</a:t>
+              <a:t>8/28/2015</a:t>
             </a:fld>
             <a:endParaRPr lang="en-US"/>
           </a:p>
@@ -797,7 +803,7 @@
             <a:fld id="{1D8BD707-D9CF-40AE-B4C6-C98DA3205C09}" type="datetimeFigureOut">
               <a:rPr lang="en-US" smtClean="0"/>
               <a:pPr/>
-              <a:t>9/18/2006</a:t>
+              <a:t>8/28/2015</a:t>
             </a:fld>
             <a:endParaRPr lang="en-US"/>
           </a:p>
@@ -1040,7 +1046,7 @@
             <a:fld id="{1D8BD707-D9CF-40AE-B4C6-C98DA3205C09}" type="datetimeFigureOut">
               <a:rPr lang="en-US" smtClean="0"/>
               <a:pPr/>
-              <a:t>9/18/2006</a:t>
+              <a:t>8/28/2015</a:t>
             </a:fld>
             <a:endParaRPr lang="en-US"/>
           </a:p>
@@ -1325,7 +1331,7 @@
             <a:fld id="{1D8BD707-D9CF-40AE-B4C6-C98DA3205C09}" type="datetimeFigureOut">
               <a:rPr lang="en-US" smtClean="0"/>
               <a:pPr/>
-              <a:t>9/18/2006</a:t>
+              <a:t>8/28/2015</a:t>
             </a:fld>
             <a:endParaRPr lang="en-US"/>
           </a:p>
@@ -1744,7 +1750,7 @@
             <a:fld id="{1D8BD707-D9CF-40AE-B4C6-C98DA3205C09}" type="datetimeFigureOut">
               <a:rPr lang="en-US" smtClean="0"/>
               <a:pPr/>
-              <a:t>9/18/2006</a:t>
+              <a:t>8/28/2015</a:t>
             </a:fld>
             <a:endParaRPr lang="en-US"/>
           </a:p>
@@ -1859,7 +1865,7 @@
             <a:fld id="{1D8BD707-D9CF-40AE-B4C6-C98DA3205C09}" type="datetimeFigureOut">
               <a:rPr lang="en-US" smtClean="0"/>
               <a:pPr/>
-              <a:t>9/18/2006</a:t>
+              <a:t>8/28/2015</a:t>
             </a:fld>
             <a:endParaRPr lang="en-US"/>
           </a:p>
@@ -1951,7 +1957,7 @@
             <a:fld id="{1D8BD707-D9CF-40AE-B4C6-C98DA3205C09}" type="datetimeFigureOut">
               <a:rPr lang="en-US" smtClean="0"/>
               <a:pPr/>
-              <a:t>9/18/2006</a:t>
+              <a:t>8/28/2015</a:t>
             </a:fld>
             <a:endParaRPr lang="en-US"/>
           </a:p>
@@ -2225,7 +2231,7 @@
             <a:fld id="{1D8BD707-D9CF-40AE-B4C6-C98DA3205C09}" type="datetimeFigureOut">
               <a:rPr lang="en-US" smtClean="0"/>
               <a:pPr/>
-              <a:t>9/18/2006</a:t>
+              <a:t>8/28/2015</a:t>
             </a:fld>
             <a:endParaRPr lang="en-US"/>
           </a:p>
@@ -2475,7 +2481,7 @@
             <a:fld id="{1D8BD707-D9CF-40AE-B4C6-C98DA3205C09}" type="datetimeFigureOut">
               <a:rPr lang="en-US" smtClean="0"/>
               <a:pPr/>
-              <a:t>9/18/2006</a:t>
+              <a:t>8/28/2015</a:t>
             </a:fld>
             <a:endParaRPr lang="en-US"/>
           </a:p>
@@ -2536,9 +2542,12 @@
 <p:sldMaster xmlns:a="http://schemas.openxmlformats.org/drawingml/2006/main" xmlns:r="http://schemas.openxmlformats.org/officeDocument/2006/relationships" xmlns:p="http://schemas.openxmlformats.org/presentationml/2006/main">
   <p:cSld>
     <p:bg>
-      <p:bgRef idx="1001">
-        <a:schemeClr val="bg1"/>
-      </p:bgRef>
+      <p:bgPr>
+        <a:solidFill>
+          <a:schemeClr val="bg1"/>
+        </a:solidFill>
+        <a:effectLst/>
+      </p:bgPr>
     </p:bg>
     <p:spTree>
       <p:nvGrpSpPr>
@@ -2685,7 +2694,7 @@
             <a:fld id="{1D8BD707-D9CF-40AE-B4C6-C98DA3205C09}" type="datetimeFigureOut">
               <a:rPr lang="en-US" smtClean="0"/>
               <a:pPr/>
-              <a:t>9/18/2006</a:t>
+              <a:t>8/28/2015</a:t>
             </a:fld>
             <a:endParaRPr lang="en-US"/>
           </a:p>
@@ -3037,6 +3046,626 @@
     </p:otherStyle>
   </p:txStyles>
 </p:sldMaster>
+</file>
+
+<file path=ppt/slides/slide1.xml><?xml version="1.0" encoding="utf-8"?>
+<p:sld xmlns:a="http://schemas.openxmlformats.org/drawingml/2006/main" xmlns:r="http://schemas.openxmlformats.org/officeDocument/2006/relationships" xmlns:p="http://schemas.openxmlformats.org/presentationml/2006/main">
+  <p:cSld>
+    <p:spTree>
+      <p:nvGrpSpPr>
+        <p:cNvPr id="1" name=""/>
+        <p:cNvGrpSpPr/>
+        <p:nvPr/>
+      </p:nvGrpSpPr>
+      <p:grpSpPr>
+        <a:xfrm>
+          <a:off x="0" y="0"/>
+          <a:ext cx="0" cy="0"/>
+          <a:chOff x="0" y="0"/>
+          <a:chExt cx="0" cy="0"/>
+        </a:xfrm>
+      </p:grpSpPr>
+      <p:sp>
+        <p:nvSpPr>
+          <p:cNvPr id="2" name="Title 1"/>
+          <p:cNvSpPr>
+            <a:spLocks noGrp="1"/>
+          </p:cNvSpPr>
+          <p:nvPr>
+            <p:ph type="ctrTitle"/>
+          </p:nvPr>
+        </p:nvSpPr>
+        <p:spPr>
+          <a:xfrm>
+            <a:off x="0" y="2971800"/>
+            <a:ext cx="9144000" cy="1012825"/>
+          </a:xfrm>
+        </p:spPr>
+        <p:txBody>
+          <a:bodyPr/>
+          <a:lstStyle/>
+          <a:p>
+            <a:r>
+              <a:rPr lang="en-US" dirty="0" smtClean="0">
+                <a:solidFill>
+                  <a:schemeClr val="bg1"/>
+                </a:solidFill>
+                <a:latin typeface="Verdana" pitchFamily="34" charset="0"/>
+                <a:ea typeface="Verdana" pitchFamily="34" charset="0"/>
+                <a:cs typeface="Verdana" pitchFamily="34" charset="0"/>
+              </a:rPr>
+              <a:t>O</a:t>
+            </a:r>
+            <a:r>
+              <a:rPr lang="en-US" sz="3600" dirty="0" smtClean="0">
+                <a:solidFill>
+                  <a:schemeClr val="bg1"/>
+                </a:solidFill>
+                <a:latin typeface="Verdana" pitchFamily="34" charset="0"/>
+                <a:ea typeface="Verdana" pitchFamily="34" charset="0"/>
+                <a:cs typeface="Verdana" pitchFamily="34" charset="0"/>
+              </a:rPr>
+              <a:t>2</a:t>
+            </a:r>
+            <a:r>
+              <a:rPr lang="en-US" dirty="0" smtClean="0">
+                <a:solidFill>
+                  <a:schemeClr val="bg1"/>
+                </a:solidFill>
+                <a:latin typeface="Verdana" pitchFamily="34" charset="0"/>
+                <a:ea typeface="Verdana" pitchFamily="34" charset="0"/>
+                <a:cs typeface="Verdana" pitchFamily="34" charset="0"/>
+              </a:rPr>
+              <a:t>O</a:t>
+            </a:r>
+            <a:endParaRPr lang="en-US" dirty="0">
+              <a:solidFill>
+                <a:schemeClr val="bg1"/>
+              </a:solidFill>
+              <a:latin typeface="Verdana" pitchFamily="34" charset="0"/>
+              <a:ea typeface="Verdana" pitchFamily="34" charset="0"/>
+              <a:cs typeface="Verdana" pitchFamily="34" charset="0"/>
+            </a:endParaRPr>
+          </a:p>
+        </p:txBody>
+      </p:sp>
+      <p:pic>
+        <p:nvPicPr>
+          <p:cNvPr id="1026" name="Picture 2" descr="D:\G01_project\G01_Project\UI_prototype\User\elvis\images\rice.png"/>
+          <p:cNvPicPr>
+            <a:picLocks noChangeAspect="1" noChangeArrowheads="1"/>
+          </p:cNvPicPr>
+          <p:nvPr/>
+        </p:nvPicPr>
+        <p:blipFill>
+          <a:blip r:embed="rId2" cstate="print"/>
+          <a:srcRect/>
+          <a:stretch>
+            <a:fillRect/>
+          </a:stretch>
+        </p:blipFill>
+        <p:spPr bwMode="auto">
+          <a:xfrm>
+            <a:off x="4032849" y="2127849"/>
+            <a:ext cx="996351" cy="996351"/>
+          </a:xfrm>
+          <a:prstGeom prst="rect">
+            <a:avLst/>
+          </a:prstGeom>
+          <a:noFill/>
+        </p:spPr>
+      </p:pic>
+      <p:sp>
+        <p:nvSpPr>
+          <p:cNvPr id="6" name="Subtitle 5"/>
+          <p:cNvSpPr>
+            <a:spLocks noGrp="1"/>
+          </p:cNvSpPr>
+          <p:nvPr>
+            <p:ph type="subTitle" idx="1"/>
+          </p:nvPr>
+        </p:nvSpPr>
+        <p:spPr>
+          <a:xfrm>
+            <a:off x="0" y="2971800"/>
+            <a:ext cx="9144000" cy="685800"/>
+          </a:xfrm>
+        </p:spPr>
+        <p:txBody>
+          <a:bodyPr/>
+          <a:lstStyle/>
+          <a:p>
+            <a:r>
+              <a:rPr lang="en-US" dirty="0" smtClean="0"/>
+              <a:t>Group 1                  Take-out</a:t>
+            </a:r>
+            <a:endParaRPr lang="en-US" dirty="0"/>
+          </a:p>
+        </p:txBody>
+      </p:sp>
+    </p:spTree>
+  </p:cSld>
+  <p:clrMapOvr>
+    <a:masterClrMapping/>
+  </p:clrMapOvr>
+  <p:timing>
+    <p:tnLst>
+      <p:par>
+        <p:cTn id="1" dur="indefinite" restart="never" nodeType="tmRoot">
+          <p:childTnLst>
+            <p:seq concurrent="1" nextAc="seek">
+              <p:cTn id="2" dur="indefinite" nodeType="mainSeq">
+                <p:childTnLst>
+                  <p:par>
+                    <p:cTn id="3" fill="hold">
+                      <p:stCondLst>
+                        <p:cond delay="indefinite"/>
+                      </p:stCondLst>
+                      <p:childTnLst>
+                        <p:par>
+                          <p:cTn id="4" fill="hold">
+                            <p:stCondLst>
+                              <p:cond delay="0"/>
+                            </p:stCondLst>
+                            <p:childTnLst>
+                              <p:par>
+                                <p:cTn id="5" presetID="42" presetClass="path" presetSubtype="0" accel="50000" decel="50000" fill="hold" nodeType="clickEffect">
+                                  <p:stCondLst>
+                                    <p:cond delay="0"/>
+                                  </p:stCondLst>
+                                  <p:childTnLst>
+                                    <p:animMotion origin="layout" path="M 3.88889E-6 -3.7037E-7 L 3.88889E-6 0.0838 " pathEditMode="relative" rAng="0" ptsTypes="AA">
+                                      <p:cBhvr>
+                                        <p:cTn id="6" dur="1000" fill="hold"/>
+                                        <p:tgtEl>
+                                          <p:spTgt spid="1026"/>
+                                        </p:tgtEl>
+                                        <p:attrNameLst>
+                                          <p:attrName>ppt_x</p:attrName>
+                                          <p:attrName>ppt_y</p:attrName>
+                                        </p:attrNameLst>
+                                      </p:cBhvr>
+                                      <p:rCtr x="0" y="42"/>
+                                    </p:animMotion>
+                                  </p:childTnLst>
+                                </p:cTn>
+                              </p:par>
+                            </p:childTnLst>
+                          </p:cTn>
+                        </p:par>
+                        <p:par>
+                          <p:cTn id="7" fill="hold">
+                            <p:stCondLst>
+                              <p:cond delay="1000"/>
+                            </p:stCondLst>
+                            <p:childTnLst>
+                              <p:par>
+                                <p:cTn id="8" presetID="10" presetClass="entr" presetSubtype="0" fill="hold" grpId="0" nodeType="afterEffect">
+                                  <p:stCondLst>
+                                    <p:cond delay="0"/>
+                                  </p:stCondLst>
+                                  <p:childTnLst>
+                                    <p:set>
+                                      <p:cBhvr>
+                                        <p:cTn id="9" dur="1" fill="hold">
+                                          <p:stCondLst>
+                                            <p:cond delay="0"/>
+                                          </p:stCondLst>
+                                        </p:cTn>
+                                        <p:tgtEl>
+                                          <p:spTgt spid="6">
+                                            <p:txEl>
+                                              <p:pRg st="0" end="0"/>
+                                            </p:txEl>
+                                          </p:spTgt>
+                                        </p:tgtEl>
+                                        <p:attrNameLst>
+                                          <p:attrName>style.visibility</p:attrName>
+                                        </p:attrNameLst>
+                                      </p:cBhvr>
+                                      <p:to>
+                                        <p:strVal val="visible"/>
+                                      </p:to>
+                                    </p:set>
+                                    <p:animEffect transition="in" filter="fade">
+                                      <p:cBhvr>
+                                        <p:cTn id="10" dur="1000"/>
+                                        <p:tgtEl>
+                                          <p:spTgt spid="6">
+                                            <p:txEl>
+                                              <p:pRg st="0" end="0"/>
+                                            </p:txEl>
+                                          </p:spTgt>
+                                        </p:tgtEl>
+                                      </p:cBhvr>
+                                    </p:animEffect>
+                                  </p:childTnLst>
+                                </p:cTn>
+                              </p:par>
+                            </p:childTnLst>
+                          </p:cTn>
+                        </p:par>
+                      </p:childTnLst>
+                    </p:cTn>
+                  </p:par>
+                </p:childTnLst>
+              </p:cTn>
+              <p:prevCondLst>
+                <p:cond evt="onPrev" delay="0">
+                  <p:tgtEl>
+                    <p:sldTgt/>
+                  </p:tgtEl>
+                </p:cond>
+              </p:prevCondLst>
+              <p:nextCondLst>
+                <p:cond evt="onNext" delay="0">
+                  <p:tgtEl>
+                    <p:sldTgt/>
+                  </p:tgtEl>
+                </p:cond>
+              </p:nextCondLst>
+            </p:seq>
+          </p:childTnLst>
+        </p:cTn>
+      </p:par>
+    </p:tnLst>
+    <p:bldLst>
+      <p:bldP spid="6" grpId="0" build="p"/>
+    </p:bldLst>
+  </p:timing>
+</p:sld>
+</file>
+
+<file path=ppt/slides/slide2.xml><?xml version="1.0" encoding="utf-8"?>
+<p:sld xmlns:a="http://schemas.openxmlformats.org/drawingml/2006/main" xmlns:r="http://schemas.openxmlformats.org/officeDocument/2006/relationships" xmlns:p="http://schemas.openxmlformats.org/presentationml/2006/main">
+  <p:cSld>
+    <p:spTree>
+      <p:nvGrpSpPr>
+        <p:cNvPr id="1" name=""/>
+        <p:cNvGrpSpPr/>
+        <p:nvPr/>
+      </p:nvGrpSpPr>
+      <p:grpSpPr>
+        <a:xfrm>
+          <a:off x="0" y="0"/>
+          <a:ext cx="0" cy="0"/>
+          <a:chOff x="0" y="0"/>
+          <a:chExt cx="0" cy="0"/>
+        </a:xfrm>
+      </p:grpSpPr>
+      <p:pic>
+        <p:nvPicPr>
+          <p:cNvPr id="2050" name="Picture 2" descr="C:\Users\LINEL\Desktop\Untitled-2-01.png"/>
+          <p:cNvPicPr>
+            <a:picLocks noChangeAspect="1" noChangeArrowheads="1"/>
+          </p:cNvPicPr>
+          <p:nvPr/>
+        </p:nvPicPr>
+        <p:blipFill>
+          <a:blip r:embed="rId2" cstate="print"/>
+          <a:srcRect/>
+          <a:stretch>
+            <a:fillRect/>
+          </a:stretch>
+        </p:blipFill>
+        <p:spPr bwMode="auto">
+          <a:xfrm>
+            <a:off x="-661988" y="1066800"/>
+            <a:ext cx="10034588" cy="5084763"/>
+          </a:xfrm>
+          <a:prstGeom prst="rect">
+            <a:avLst/>
+          </a:prstGeom>
+          <a:noFill/>
+        </p:spPr>
+      </p:pic>
+      <p:sp>
+        <p:nvSpPr>
+          <p:cNvPr id="5" name="TextBox 4"/>
+          <p:cNvSpPr txBox="1"/>
+          <p:nvPr/>
+        </p:nvSpPr>
+        <p:spPr>
+          <a:xfrm>
+            <a:off x="0" y="533400"/>
+            <a:ext cx="9144000" cy="369332"/>
+          </a:xfrm>
+          <a:prstGeom prst="rect">
+            <a:avLst/>
+          </a:prstGeom>
+          <a:solidFill>
+            <a:schemeClr val="bg1">
+              <a:lumMod val="95000"/>
+            </a:schemeClr>
+          </a:solidFill>
+        </p:spPr>
+        <p:txBody>
+          <a:bodyPr wrap="square" rtlCol="0">
+            <a:spAutoFit/>
+          </a:bodyPr>
+          <a:lstStyle/>
+          <a:p>
+            <a:pPr algn="ctr"/>
+            <a:r>
+              <a:rPr lang="zh-CN" altLang="en-US" dirty="0" smtClean="0">
+                <a:solidFill>
+                  <a:schemeClr val="tx1">
+                    <a:lumMod val="50000"/>
+                    <a:lumOff val="50000"/>
+                  </a:schemeClr>
+                </a:solidFill>
+                <a:latin typeface="Microsoft YaHei" pitchFamily="34" charset="-122"/>
+                <a:ea typeface="Microsoft YaHei" pitchFamily="34" charset="-122"/>
+              </a:rPr>
+              <a:t>用户</a:t>
+            </a:r>
+            <a:endParaRPr lang="en-US" dirty="0">
+              <a:solidFill>
+                <a:schemeClr val="tx1">
+                  <a:lumMod val="50000"/>
+                  <a:lumOff val="50000"/>
+                </a:schemeClr>
+              </a:solidFill>
+              <a:latin typeface="Microsoft YaHei" pitchFamily="34" charset="-122"/>
+              <a:ea typeface="Microsoft YaHei" pitchFamily="34" charset="-122"/>
+            </a:endParaRPr>
+          </a:p>
+        </p:txBody>
+      </p:sp>
+    </p:spTree>
+  </p:cSld>
+  <p:clrMapOvr>
+    <a:masterClrMapping/>
+  </p:clrMapOvr>
+  <p:timing>
+    <p:tnLst>
+      <p:par>
+        <p:cTn id="1" dur="indefinite" restart="never" nodeType="tmRoot"/>
+      </p:par>
+    </p:tnLst>
+  </p:timing>
+</p:sld>
+</file>
+
+<file path=ppt/slides/slide3.xml><?xml version="1.0" encoding="utf-8"?>
+<p:sld xmlns:a="http://schemas.openxmlformats.org/drawingml/2006/main" xmlns:r="http://schemas.openxmlformats.org/officeDocument/2006/relationships" xmlns:p="http://schemas.openxmlformats.org/presentationml/2006/main">
+  <p:cSld>
+    <p:spTree>
+      <p:nvGrpSpPr>
+        <p:cNvPr id="1" name=""/>
+        <p:cNvGrpSpPr/>
+        <p:nvPr/>
+      </p:nvGrpSpPr>
+      <p:grpSpPr>
+        <a:xfrm>
+          <a:off x="0" y="0"/>
+          <a:ext cx="0" cy="0"/>
+          <a:chOff x="0" y="0"/>
+          <a:chExt cx="0" cy="0"/>
+        </a:xfrm>
+      </p:grpSpPr>
+      <p:sp>
+        <p:nvSpPr>
+          <p:cNvPr id="8" name="Title 7"/>
+          <p:cNvSpPr>
+            <a:spLocks noGrp="1"/>
+          </p:cNvSpPr>
+          <p:nvPr>
+            <p:ph type="title"/>
+          </p:nvPr>
+        </p:nvSpPr>
+        <p:spPr/>
+        <p:txBody>
+          <a:bodyPr/>
+          <a:lstStyle/>
+          <a:p>
+            <a:endParaRPr lang="en-US"/>
+          </a:p>
+        </p:txBody>
+      </p:sp>
+      <p:pic>
+        <p:nvPicPr>
+          <p:cNvPr id="3076" name="Picture 4" descr="C:\Users\LINEL\Desktop\Untitled-2-01-02.png"/>
+          <p:cNvPicPr>
+            <a:picLocks noChangeAspect="1" noChangeArrowheads="1"/>
+          </p:cNvPicPr>
+          <p:nvPr/>
+        </p:nvPicPr>
+        <p:blipFill>
+          <a:blip r:embed="rId2" cstate="print"/>
+          <a:srcRect/>
+          <a:stretch>
+            <a:fillRect/>
+          </a:stretch>
+        </p:blipFill>
+        <p:spPr bwMode="auto">
+          <a:xfrm>
+            <a:off x="-738188" y="1143000"/>
+            <a:ext cx="10034588" cy="5084763"/>
+          </a:xfrm>
+          <a:prstGeom prst="rect">
+            <a:avLst/>
+          </a:prstGeom>
+          <a:noFill/>
+        </p:spPr>
+      </p:pic>
+      <p:sp>
+        <p:nvSpPr>
+          <p:cNvPr id="11" name="TextBox 10"/>
+          <p:cNvSpPr txBox="1"/>
+          <p:nvPr/>
+        </p:nvSpPr>
+        <p:spPr>
+          <a:xfrm>
+            <a:off x="0" y="533400"/>
+            <a:ext cx="9144000" cy="369332"/>
+          </a:xfrm>
+          <a:prstGeom prst="rect">
+            <a:avLst/>
+          </a:prstGeom>
+          <a:solidFill>
+            <a:schemeClr val="bg1">
+              <a:lumMod val="95000"/>
+            </a:schemeClr>
+          </a:solidFill>
+        </p:spPr>
+        <p:txBody>
+          <a:bodyPr wrap="square" rtlCol="0">
+            <a:spAutoFit/>
+          </a:bodyPr>
+          <a:lstStyle/>
+          <a:p>
+            <a:pPr algn="ctr"/>
+            <a:r>
+              <a:rPr lang="zh-CN" altLang="en-US" dirty="0" smtClean="0">
+                <a:solidFill>
+                  <a:schemeClr val="tx1">
+                    <a:lumMod val="50000"/>
+                    <a:lumOff val="50000"/>
+                  </a:schemeClr>
+                </a:solidFill>
+                <a:latin typeface="Microsoft YaHei" pitchFamily="34" charset="-122"/>
+                <a:ea typeface="Microsoft YaHei" pitchFamily="34" charset="-122"/>
+              </a:rPr>
+              <a:t>下单</a:t>
+            </a:r>
+            <a:endParaRPr lang="en-US" dirty="0">
+              <a:solidFill>
+                <a:schemeClr val="tx1">
+                  <a:lumMod val="50000"/>
+                  <a:lumOff val="50000"/>
+                </a:schemeClr>
+              </a:solidFill>
+              <a:latin typeface="Microsoft YaHei" pitchFamily="34" charset="-122"/>
+              <a:ea typeface="Microsoft YaHei" pitchFamily="34" charset="-122"/>
+            </a:endParaRPr>
+          </a:p>
+        </p:txBody>
+      </p:sp>
+    </p:spTree>
+  </p:cSld>
+  <p:clrMapOvr>
+    <a:masterClrMapping/>
+  </p:clrMapOvr>
+  <p:timing>
+    <p:tnLst>
+      <p:par>
+        <p:cTn id="1" dur="indefinite" restart="never" nodeType="tmRoot"/>
+      </p:par>
+    </p:tnLst>
+  </p:timing>
+</p:sld>
+</file>
+
+<file path=ppt/slides/slide4.xml><?xml version="1.0" encoding="utf-8"?>
+<p:sld xmlns:a="http://schemas.openxmlformats.org/drawingml/2006/main" xmlns:r="http://schemas.openxmlformats.org/officeDocument/2006/relationships" xmlns:p="http://schemas.openxmlformats.org/presentationml/2006/main">
+  <p:cSld>
+    <p:spTree>
+      <p:nvGrpSpPr>
+        <p:cNvPr id="1" name=""/>
+        <p:cNvGrpSpPr/>
+        <p:nvPr/>
+      </p:nvGrpSpPr>
+      <p:grpSpPr>
+        <a:xfrm>
+          <a:off x="0" y="0"/>
+          <a:ext cx="0" cy="0"/>
+          <a:chOff x="0" y="0"/>
+          <a:chExt cx="0" cy="0"/>
+        </a:xfrm>
+      </p:grpSpPr>
+      <p:pic>
+        <p:nvPicPr>
+          <p:cNvPr id="4098" name="Picture 2" descr="C:\Users\LINEL\Desktop\Untitled-2-01-03.png"/>
+          <p:cNvPicPr>
+            <a:picLocks noChangeAspect="1" noChangeArrowheads="1"/>
+          </p:cNvPicPr>
+          <p:nvPr/>
+        </p:nvPicPr>
+        <p:blipFill>
+          <a:blip r:embed="rId2" cstate="print"/>
+          <a:srcRect/>
+          <a:stretch>
+            <a:fillRect/>
+          </a:stretch>
+        </p:blipFill>
+        <p:spPr bwMode="auto">
+          <a:xfrm>
+            <a:off x="-609600" y="990600"/>
+            <a:ext cx="10034588" cy="5084763"/>
+          </a:xfrm>
+          <a:prstGeom prst="rect">
+            <a:avLst/>
+          </a:prstGeom>
+          <a:noFill/>
+        </p:spPr>
+      </p:pic>
+      <p:sp>
+        <p:nvSpPr>
+          <p:cNvPr id="6" name="TextBox 5"/>
+          <p:cNvSpPr txBox="1"/>
+          <p:nvPr/>
+        </p:nvSpPr>
+        <p:spPr>
+          <a:xfrm>
+            <a:off x="0" y="533400"/>
+            <a:ext cx="9144000" cy="369332"/>
+          </a:xfrm>
+          <a:prstGeom prst="rect">
+            <a:avLst/>
+          </a:prstGeom>
+          <a:solidFill>
+            <a:schemeClr val="bg1">
+              <a:lumMod val="95000"/>
+            </a:schemeClr>
+          </a:solidFill>
+        </p:spPr>
+        <p:txBody>
+          <a:bodyPr wrap="square" rtlCol="0">
+            <a:spAutoFit/>
+          </a:bodyPr>
+          <a:lstStyle/>
+          <a:p>
+            <a:pPr algn="ctr"/>
+            <a:r>
+              <a:rPr lang="zh-CN" altLang="en-US" dirty="0" smtClean="0">
+                <a:solidFill>
+                  <a:schemeClr val="tx1">
+                    <a:lumMod val="50000"/>
+                    <a:lumOff val="50000"/>
+                  </a:schemeClr>
+                </a:solidFill>
+                <a:latin typeface="Microsoft YaHei" pitchFamily="34" charset="-122"/>
+                <a:ea typeface="Microsoft YaHei" pitchFamily="34" charset="-122"/>
+              </a:rPr>
+              <a:t>用户中心</a:t>
+            </a:r>
+            <a:endParaRPr lang="en-US" dirty="0">
+              <a:solidFill>
+                <a:schemeClr val="tx1">
+                  <a:lumMod val="50000"/>
+                  <a:lumOff val="50000"/>
+                </a:schemeClr>
+              </a:solidFill>
+              <a:latin typeface="Microsoft YaHei" pitchFamily="34" charset="-122"/>
+              <a:ea typeface="Microsoft YaHei" pitchFamily="34" charset="-122"/>
+            </a:endParaRPr>
+          </a:p>
+        </p:txBody>
+      </p:sp>
+    </p:spTree>
+  </p:cSld>
+  <p:clrMapOvr>
+    <a:masterClrMapping/>
+  </p:clrMapOvr>
+  <p:timing>
+    <p:tnLst>
+      <p:par>
+        <p:cTn id="1" dur="indefinite" restart="never" nodeType="tmRoot"/>
+      </p:par>
+    </p:tnLst>
+  </p:timing>
+</p:sld>
 </file>
 
 <file path=ppt/theme/theme1.xml><?xml version="1.0" encoding="utf-8"?>

--- a/DetailInfo/vender.pptx
+++ b/DetailInfo/vender.pptx
@@ -9,6 +9,8 @@
     <p:sldId id="257" r:id="rId3"/>
     <p:sldId id="258" r:id="rId4"/>
     <p:sldId id="259" r:id="rId5"/>
+    <p:sldId id="261" r:id="rId6"/>
+    <p:sldId id="260" r:id="rId7"/>
   </p:sldIdLst>
   <p:sldSz cx="9144000" cy="6858000" type="screen4x3"/>
   <p:notesSz cx="6858000" cy="9144000"/>
@@ -3183,6 +3185,359 @@
           </a:p>
         </p:txBody>
       </p:sp>
+      <p:grpSp>
+        <p:nvGrpSpPr>
+          <p:cNvPr id="8" name="Group 7"/>
+          <p:cNvGrpSpPr/>
+          <p:nvPr/>
+        </p:nvGrpSpPr>
+        <p:grpSpPr>
+          <a:xfrm>
+            <a:off x="3733800" y="4343400"/>
+            <a:ext cx="1676400" cy="685800"/>
+            <a:chOff x="2819400" y="4495800"/>
+            <a:chExt cx="1905000" cy="990600"/>
+          </a:xfrm>
+        </p:grpSpPr>
+        <p:sp>
+          <p:nvSpPr>
+            <p:cNvPr id="5" name="Subtitle 5"/>
+            <p:cNvSpPr txBox="1">
+              <a:spLocks/>
+            </p:cNvSpPr>
+            <p:nvPr/>
+          </p:nvSpPr>
+          <p:spPr>
+            <a:xfrm>
+              <a:off x="2819400" y="4495800"/>
+              <a:ext cx="838200" cy="990600"/>
+            </a:xfrm>
+            <a:prstGeom prst="rect">
+              <a:avLst/>
+            </a:prstGeom>
+          </p:spPr>
+          <p:txBody>
+            <a:bodyPr vert="horz" lIns="91440" tIns="45720" rIns="91440" bIns="45720" rtlCol="0">
+              <a:normAutofit/>
+            </a:bodyPr>
+            <a:lstStyle/>
+            <a:p>
+              <a:pPr marL="0" marR="0" lvl="0" indent="0" defTabSz="914400" rtl="0" eaLnBrk="1" fontAlgn="auto" latinLnBrk="0" hangingPunct="1">
+                <a:lnSpc>
+                  <a:spcPct val="100000"/>
+                </a:lnSpc>
+                <a:spcBef>
+                  <a:spcPct val="20000"/>
+                </a:spcBef>
+                <a:spcAft>
+                  <a:spcPts val="0"/>
+                </a:spcAft>
+                <a:buClrTx/>
+                <a:buSzTx/>
+                <a:buFont typeface="Arial" pitchFamily="34" charset="0"/>
+                <a:buNone/>
+                <a:tabLst/>
+                <a:defRPr/>
+              </a:pPr>
+              <a:r>
+                <a:rPr kumimoji="0" lang="en-US" sz="1000" b="0" i="0" u="none" strike="noStrike" kern="1200" cap="none" spc="0" normalizeH="0" baseline="0" noProof="0" dirty="0" smtClean="0">
+                  <a:ln>
+                    <a:noFill/>
+                  </a:ln>
+                  <a:solidFill>
+                    <a:schemeClr val="bg1">
+                      <a:lumMod val="85000"/>
+                    </a:schemeClr>
+                  </a:solidFill>
+                  <a:effectLst/>
+                  <a:uLnTx/>
+                  <a:uFillTx/>
+                  <a:latin typeface="+mj-lt"/>
+                  <a:ea typeface="+mn-ea"/>
+                  <a:cs typeface="+mn-cs"/>
+                </a:rPr>
+                <a:t>Elvis</a:t>
+              </a:r>
+            </a:p>
+            <a:p>
+              <a:pPr marL="0" marR="0" lvl="0" indent="0" defTabSz="914400" rtl="0" eaLnBrk="1" fontAlgn="auto" latinLnBrk="0" hangingPunct="1">
+                <a:lnSpc>
+                  <a:spcPct val="100000"/>
+                </a:lnSpc>
+                <a:spcBef>
+                  <a:spcPct val="20000"/>
+                </a:spcBef>
+                <a:spcAft>
+                  <a:spcPts val="0"/>
+                </a:spcAft>
+                <a:buClrTx/>
+                <a:buSzTx/>
+                <a:buFont typeface="Arial" pitchFamily="34" charset="0"/>
+                <a:buNone/>
+                <a:tabLst/>
+                <a:defRPr/>
+              </a:pPr>
+              <a:r>
+                <a:rPr lang="en-US" sz="1000" dirty="0" smtClean="0">
+                  <a:solidFill>
+                    <a:schemeClr val="bg1">
+                      <a:lumMod val="85000"/>
+                    </a:schemeClr>
+                  </a:solidFill>
+                  <a:latin typeface="+mj-lt"/>
+                </a:rPr>
+                <a:t>Ace</a:t>
+              </a:r>
+            </a:p>
+            <a:p>
+              <a:pPr marL="0" marR="0" lvl="0" indent="0" defTabSz="914400" rtl="0" eaLnBrk="1" fontAlgn="auto" latinLnBrk="0" hangingPunct="1">
+                <a:lnSpc>
+                  <a:spcPct val="100000"/>
+                </a:lnSpc>
+                <a:spcBef>
+                  <a:spcPct val="20000"/>
+                </a:spcBef>
+                <a:spcAft>
+                  <a:spcPts val="0"/>
+                </a:spcAft>
+                <a:buClrTx/>
+                <a:buSzTx/>
+                <a:buFont typeface="Arial" pitchFamily="34" charset="0"/>
+                <a:buNone/>
+                <a:tabLst/>
+                <a:defRPr/>
+              </a:pPr>
+              <a:r>
+                <a:rPr kumimoji="0" lang="en-US" sz="1000" b="0" i="0" u="none" strike="noStrike" kern="1200" cap="none" spc="0" normalizeH="0" baseline="0" noProof="0" dirty="0" smtClean="0">
+                  <a:ln>
+                    <a:noFill/>
+                  </a:ln>
+                  <a:solidFill>
+                    <a:schemeClr val="bg1">
+                      <a:lumMod val="85000"/>
+                    </a:schemeClr>
+                  </a:solidFill>
+                  <a:effectLst/>
+                  <a:uLnTx/>
+                  <a:uFillTx/>
+                  <a:latin typeface="+mj-lt"/>
+                  <a:ea typeface="+mn-ea"/>
+                  <a:cs typeface="+mn-cs"/>
+                </a:rPr>
+                <a:t>Joey</a:t>
+              </a:r>
+            </a:p>
+            <a:p>
+              <a:pPr marL="0" marR="0" lvl="0" indent="0" defTabSz="914400" rtl="0" eaLnBrk="1" fontAlgn="auto" latinLnBrk="0" hangingPunct="1">
+                <a:lnSpc>
+                  <a:spcPct val="100000"/>
+                </a:lnSpc>
+                <a:spcBef>
+                  <a:spcPct val="20000"/>
+                </a:spcBef>
+                <a:spcAft>
+                  <a:spcPts val="0"/>
+                </a:spcAft>
+                <a:buClrTx/>
+                <a:buSzTx/>
+                <a:buFont typeface="Arial" pitchFamily="34" charset="0"/>
+                <a:buNone/>
+                <a:tabLst/>
+                <a:defRPr/>
+              </a:pPr>
+              <a:endParaRPr kumimoji="0" lang="en-US" sz="1000" b="0" i="0" u="none" strike="noStrike" kern="1200" cap="none" spc="0" normalizeH="0" baseline="0" noProof="0" dirty="0">
+                <a:ln>
+                  <a:noFill/>
+                </a:ln>
+                <a:solidFill>
+                  <a:schemeClr val="bg1">
+                    <a:lumMod val="85000"/>
+                  </a:schemeClr>
+                </a:solidFill>
+                <a:effectLst/>
+                <a:uLnTx/>
+                <a:uFillTx/>
+                <a:latin typeface="+mj-lt"/>
+                <a:ea typeface="+mn-ea"/>
+                <a:cs typeface="+mn-cs"/>
+              </a:endParaRPr>
+            </a:p>
+          </p:txBody>
+        </p:sp>
+        <p:sp>
+          <p:nvSpPr>
+            <p:cNvPr id="7" name="Subtitle 5"/>
+            <p:cNvSpPr txBox="1">
+              <a:spLocks/>
+            </p:cNvSpPr>
+            <p:nvPr/>
+          </p:nvSpPr>
+          <p:spPr>
+            <a:xfrm>
+              <a:off x="3886200" y="4495800"/>
+              <a:ext cx="838200" cy="990600"/>
+            </a:xfrm>
+            <a:prstGeom prst="rect">
+              <a:avLst/>
+            </a:prstGeom>
+          </p:spPr>
+          <p:txBody>
+            <a:bodyPr vert="horz" lIns="91440" tIns="45720" rIns="91440" bIns="45720" rtlCol="0">
+              <a:normAutofit/>
+            </a:bodyPr>
+            <a:lstStyle/>
+            <a:p>
+              <a:pPr marL="0" marR="0" lvl="0" indent="0" algn="r" defTabSz="914400" rtl="0" eaLnBrk="1" fontAlgn="auto" latinLnBrk="0" hangingPunct="1">
+                <a:lnSpc>
+                  <a:spcPct val="100000"/>
+                </a:lnSpc>
+                <a:spcBef>
+                  <a:spcPct val="20000"/>
+                </a:spcBef>
+                <a:spcAft>
+                  <a:spcPts val="0"/>
+                </a:spcAft>
+                <a:buClrTx/>
+                <a:buSzTx/>
+                <a:buFont typeface="Arial" pitchFamily="34" charset="0"/>
+                <a:buNone/>
+                <a:tabLst/>
+                <a:defRPr/>
+              </a:pPr>
+              <a:r>
+                <a:rPr kumimoji="0" lang="en-US" sz="1000" b="0" i="0" u="none" strike="noStrike" kern="1200" cap="none" spc="0" normalizeH="0" baseline="0" noProof="0" dirty="0" smtClean="0">
+                  <a:ln>
+                    <a:noFill/>
+                  </a:ln>
+                  <a:solidFill>
+                    <a:schemeClr val="bg1">
+                      <a:lumMod val="85000"/>
+                    </a:schemeClr>
+                  </a:solidFill>
+                  <a:effectLst/>
+                  <a:uLnTx/>
+                  <a:uFillTx/>
+                  <a:latin typeface="+mj-lt"/>
+                  <a:ea typeface="+mn-ea"/>
+                  <a:cs typeface="+mn-cs"/>
+                </a:rPr>
+                <a:t>CD</a:t>
+              </a:r>
+            </a:p>
+            <a:p>
+              <a:pPr marL="0" marR="0" lvl="0" indent="0" algn="r" defTabSz="914400" rtl="0" eaLnBrk="1" fontAlgn="auto" latinLnBrk="0" hangingPunct="1">
+                <a:lnSpc>
+                  <a:spcPct val="100000"/>
+                </a:lnSpc>
+                <a:spcBef>
+                  <a:spcPct val="20000"/>
+                </a:spcBef>
+                <a:spcAft>
+                  <a:spcPts val="0"/>
+                </a:spcAft>
+                <a:buClrTx/>
+                <a:buSzTx/>
+                <a:buFont typeface="Arial" pitchFamily="34" charset="0"/>
+                <a:buNone/>
+                <a:tabLst/>
+                <a:defRPr/>
+              </a:pPr>
+              <a:r>
+                <a:rPr lang="en-US" sz="1000" dirty="0" smtClean="0">
+                  <a:solidFill>
+                    <a:schemeClr val="bg1">
+                      <a:lumMod val="85000"/>
+                    </a:schemeClr>
+                  </a:solidFill>
+                  <a:latin typeface="+mj-lt"/>
+                </a:rPr>
+                <a:t>Nick</a:t>
+              </a:r>
+            </a:p>
+            <a:p>
+              <a:pPr marL="0" marR="0" lvl="0" indent="0" algn="r" defTabSz="914400" rtl="0" eaLnBrk="1" fontAlgn="auto" latinLnBrk="0" hangingPunct="1">
+                <a:lnSpc>
+                  <a:spcPct val="100000"/>
+                </a:lnSpc>
+                <a:spcBef>
+                  <a:spcPct val="20000"/>
+                </a:spcBef>
+                <a:spcAft>
+                  <a:spcPts val="0"/>
+                </a:spcAft>
+                <a:buClrTx/>
+                <a:buSzTx/>
+                <a:buFont typeface="Arial" pitchFamily="34" charset="0"/>
+                <a:buNone/>
+                <a:tabLst/>
+                <a:defRPr/>
+              </a:pPr>
+              <a:r>
+                <a:rPr lang="en-US" sz="1000" dirty="0" err="1" smtClean="0">
+                  <a:solidFill>
+                    <a:schemeClr val="bg1">
+                      <a:lumMod val="85000"/>
+                    </a:schemeClr>
+                  </a:solidFill>
+                  <a:latin typeface="+mj-lt"/>
+                </a:rPr>
+                <a:t>Suky</a:t>
+              </a:r>
+              <a:endParaRPr kumimoji="0" lang="en-US" sz="1000" b="0" i="0" u="none" strike="noStrike" kern="1200" cap="none" spc="0" normalizeH="0" baseline="0" noProof="0" dirty="0" smtClean="0">
+                <a:ln>
+                  <a:noFill/>
+                </a:ln>
+                <a:solidFill>
+                  <a:schemeClr val="bg1">
+                    <a:lumMod val="85000"/>
+                  </a:schemeClr>
+                </a:solidFill>
+                <a:effectLst/>
+                <a:uLnTx/>
+                <a:uFillTx/>
+                <a:latin typeface="+mj-lt"/>
+                <a:ea typeface="+mn-ea"/>
+                <a:cs typeface="+mn-cs"/>
+              </a:endParaRPr>
+            </a:p>
+            <a:p>
+              <a:pPr marL="0" marR="0" lvl="0" indent="0" algn="r" defTabSz="914400" rtl="0" eaLnBrk="1" fontAlgn="auto" latinLnBrk="0" hangingPunct="1">
+                <a:lnSpc>
+                  <a:spcPct val="100000"/>
+                </a:lnSpc>
+                <a:spcBef>
+                  <a:spcPct val="20000"/>
+                </a:spcBef>
+                <a:spcAft>
+                  <a:spcPts val="0"/>
+                </a:spcAft>
+                <a:buClrTx/>
+                <a:buSzTx/>
+                <a:buFont typeface="Arial" pitchFamily="34" charset="0"/>
+                <a:buNone/>
+                <a:tabLst/>
+                <a:defRPr/>
+              </a:pPr>
+              <a:endParaRPr kumimoji="0" lang="en-US" sz="1000" b="0" i="0" u="none" strike="noStrike" kern="1200" cap="none" spc="0" normalizeH="0" baseline="0" noProof="0" dirty="0">
+                <a:ln>
+                  <a:noFill/>
+                </a:ln>
+                <a:solidFill>
+                  <a:schemeClr val="bg1">
+                    <a:lumMod val="85000"/>
+                  </a:schemeClr>
+                </a:solidFill>
+                <a:effectLst/>
+                <a:uLnTx/>
+                <a:uFillTx/>
+                <a:latin typeface="+mj-lt"/>
+                <a:ea typeface="+mn-ea"/>
+                <a:cs typeface="+mn-cs"/>
+              </a:endParaRPr>
+            </a:p>
+          </p:txBody>
+        </p:sp>
+      </p:grpSp>
     </p:spTree>
   </p:cSld>
   <p:clrMapOvr>
@@ -3285,6 +3640,50 @@
                             </p:childTnLst>
                           </p:cTn>
                         </p:par>
+                        <p:par>
+                          <p:cTn id="11" fill="hold">
+                            <p:stCondLst>
+                              <p:cond delay="2000"/>
+                            </p:stCondLst>
+                            <p:childTnLst>
+                              <p:par>
+                                <p:cTn id="12" presetID="10" presetClass="entr" presetSubtype="0" fill="hold" nodeType="afterEffect">
+                                  <p:stCondLst>
+                                    <p:cond delay="0"/>
+                                  </p:stCondLst>
+                                  <p:childTnLst>
+                                    <p:set>
+                                      <p:cBhvr>
+                                        <p:cTn id="13" dur="1" fill="hold">
+                                          <p:stCondLst>
+                                            <p:cond delay="0"/>
+                                          </p:stCondLst>
+                                        </p:cTn>
+                                        <p:tgtEl>
+                                          <p:spTgt spid="8"/>
+                                        </p:tgtEl>
+                                        <p:attrNameLst>
+                                          <p:attrName>style.visibility</p:attrName>
+                                        </p:attrNameLst>
+                                      </p:cBhvr>
+                                      <p:to>
+                                        <p:strVal val="visible"/>
+                                      </p:to>
+                                    </p:set>
+                                    <p:animEffect transition="in" filter="fade">
+                                      <p:cBhvr>
+                                        <p:cTn id="14" dur="2000"/>
+                                        <p:tgtEl>
+                                          <p:spTgt spid="8"/>
+                                        </p:tgtEl>
+                                      </p:cBhvr>
+                                    </p:animEffect>
+                                  </p:childTnLst>
+                                </p:cTn>
+                              </p:par>
+                            </p:childTnLst>
+                          </p:cTn>
+                        </p:par>
                       </p:childTnLst>
                     </p:cTn>
                   </p:par>
@@ -3650,6 +4049,347 @@
               <a:latin typeface="Microsoft YaHei" pitchFamily="34" charset="-122"/>
               <a:ea typeface="Microsoft YaHei" pitchFamily="34" charset="-122"/>
             </a:endParaRPr>
+          </a:p>
+        </p:txBody>
+      </p:sp>
+    </p:spTree>
+  </p:cSld>
+  <p:clrMapOvr>
+    <a:masterClrMapping/>
+  </p:clrMapOvr>
+  <p:timing>
+    <p:tnLst>
+      <p:par>
+        <p:cTn id="1" dur="indefinite" restart="never" nodeType="tmRoot"/>
+      </p:par>
+    </p:tnLst>
+  </p:timing>
+</p:sld>
+</file>
+
+<file path=ppt/slides/slide5.xml><?xml version="1.0" encoding="utf-8"?>
+<p:sld xmlns:a="http://schemas.openxmlformats.org/drawingml/2006/main" xmlns:r="http://schemas.openxmlformats.org/officeDocument/2006/relationships" xmlns:p="http://schemas.openxmlformats.org/presentationml/2006/main">
+  <p:cSld>
+    <p:spTree>
+      <p:nvGrpSpPr>
+        <p:cNvPr id="1" name=""/>
+        <p:cNvGrpSpPr/>
+        <p:nvPr/>
+      </p:nvGrpSpPr>
+      <p:grpSpPr>
+        <a:xfrm>
+          <a:off x="0" y="0"/>
+          <a:ext cx="0" cy="0"/>
+          <a:chOff x="0" y="0"/>
+          <a:chExt cx="0" cy="0"/>
+        </a:xfrm>
+      </p:grpSpPr>
+      <p:sp>
+        <p:nvSpPr>
+          <p:cNvPr id="3" name="Content Placeholder 2"/>
+          <p:cNvSpPr>
+            <a:spLocks noGrp="1"/>
+          </p:cNvSpPr>
+          <p:nvPr>
+            <p:ph idx="1"/>
+          </p:nvPr>
+        </p:nvSpPr>
+        <p:spPr/>
+        <p:txBody>
+          <a:bodyPr/>
+          <a:lstStyle/>
+          <a:p>
+            <a:endParaRPr lang="en-US" dirty="0"/>
+          </a:p>
+        </p:txBody>
+      </p:sp>
+      <p:sp>
+        <p:nvSpPr>
+          <p:cNvPr id="5" name="Title 4"/>
+          <p:cNvSpPr>
+            <a:spLocks noGrp="1"/>
+          </p:cNvSpPr>
+          <p:nvPr>
+            <p:ph type="title"/>
+          </p:nvPr>
+        </p:nvSpPr>
+        <p:spPr/>
+        <p:txBody>
+          <a:bodyPr/>
+          <a:lstStyle/>
+          <a:p>
+            <a:endParaRPr lang="en-US"/>
+          </a:p>
+        </p:txBody>
+      </p:sp>
+      <p:pic>
+        <p:nvPicPr>
+          <p:cNvPr id="6" name="Picture 5" descr="C:\Users\LINEL\Desktop\shenjo@oocl.com_20150828_135903974.png"/>
+          <p:cNvPicPr>
+            <a:picLocks noChangeAspect="1" noChangeArrowheads="1"/>
+          </p:cNvPicPr>
+          <p:nvPr/>
+        </p:nvPicPr>
+        <p:blipFill>
+          <a:blip r:embed="rId2" cstate="print"/>
+          <a:srcRect/>
+          <a:stretch>
+            <a:fillRect/>
+          </a:stretch>
+        </p:blipFill>
+        <p:spPr bwMode="auto">
+          <a:xfrm>
+            <a:off x="381000" y="1676400"/>
+            <a:ext cx="8260656" cy="3981449"/>
+          </a:xfrm>
+          <a:prstGeom prst="rect">
+            <a:avLst/>
+          </a:prstGeom>
+          <a:noFill/>
+        </p:spPr>
+      </p:pic>
+    </p:spTree>
+  </p:cSld>
+  <p:clrMapOvr>
+    <a:masterClrMapping/>
+  </p:clrMapOvr>
+</p:sld>
+</file>
+
+<file path=ppt/slides/slide6.xml><?xml version="1.0" encoding="utf-8"?>
+<p:sld xmlns:a="http://schemas.openxmlformats.org/drawingml/2006/main" xmlns:r="http://schemas.openxmlformats.org/officeDocument/2006/relationships" xmlns:p="http://schemas.openxmlformats.org/presentationml/2006/main">
+  <p:cSld>
+    <p:spTree>
+      <p:nvGrpSpPr>
+        <p:cNvPr id="1" name=""/>
+        <p:cNvGrpSpPr/>
+        <p:nvPr/>
+      </p:nvGrpSpPr>
+      <p:grpSpPr>
+        <a:xfrm>
+          <a:off x="0" y="0"/>
+          <a:ext cx="0" cy="0"/>
+          <a:chOff x="0" y="0"/>
+          <a:chExt cx="0" cy="0"/>
+        </a:xfrm>
+      </p:grpSpPr>
+      <p:sp>
+        <p:nvSpPr>
+          <p:cNvPr id="4" name="Rectangle 3"/>
+          <p:cNvSpPr/>
+          <p:nvPr/>
+        </p:nvSpPr>
+        <p:spPr>
+          <a:xfrm>
+            <a:off x="2286000" y="1295400"/>
+            <a:ext cx="1981200" cy="914400"/>
+          </a:xfrm>
+          <a:prstGeom prst="rect">
+            <a:avLst/>
+          </a:prstGeom>
+        </p:spPr>
+        <p:style>
+          <a:lnRef idx="2">
+            <a:schemeClr val="accent1">
+              <a:shade val="50000"/>
+            </a:schemeClr>
+          </a:lnRef>
+          <a:fillRef idx="1">
+            <a:schemeClr val="accent1"/>
+          </a:fillRef>
+          <a:effectRef idx="0">
+            <a:schemeClr val="accent1"/>
+          </a:effectRef>
+          <a:fontRef idx="minor">
+            <a:schemeClr val="lt1"/>
+          </a:fontRef>
+        </p:style>
+        <p:txBody>
+          <a:bodyPr rtlCol="0" anchor="ctr"/>
+          <a:lstStyle/>
+          <a:p>
+            <a:pPr algn="ctr"/>
+            <a:r>
+              <a:rPr lang="en-US" dirty="0" smtClean="0"/>
+              <a:t>new</a:t>
+            </a:r>
+            <a:endParaRPr lang="en-US" dirty="0"/>
+          </a:p>
+        </p:txBody>
+      </p:sp>
+      <p:sp>
+        <p:nvSpPr>
+          <p:cNvPr id="5" name="Rectangle 4"/>
+          <p:cNvSpPr/>
+          <p:nvPr/>
+        </p:nvSpPr>
+        <p:spPr>
+          <a:xfrm>
+            <a:off x="4724400" y="1295400"/>
+            <a:ext cx="2057400" cy="914400"/>
+          </a:xfrm>
+          <a:prstGeom prst="rect">
+            <a:avLst/>
+          </a:prstGeom>
+        </p:spPr>
+        <p:style>
+          <a:lnRef idx="2">
+            <a:schemeClr val="accent1">
+              <a:shade val="50000"/>
+            </a:schemeClr>
+          </a:lnRef>
+          <a:fillRef idx="1">
+            <a:schemeClr val="accent1"/>
+          </a:fillRef>
+          <a:effectRef idx="0">
+            <a:schemeClr val="accent1"/>
+          </a:effectRef>
+          <a:fontRef idx="minor">
+            <a:schemeClr val="lt1"/>
+          </a:fontRef>
+        </p:style>
+        <p:txBody>
+          <a:bodyPr rtlCol="0" anchor="ctr"/>
+          <a:lstStyle/>
+          <a:p>
+            <a:pPr algn="ctr"/>
+            <a:r>
+              <a:rPr lang="en-US" dirty="0" smtClean="0"/>
+              <a:t>accept</a:t>
+            </a:r>
+            <a:endParaRPr lang="en-US" dirty="0"/>
+          </a:p>
+        </p:txBody>
+      </p:sp>
+      <p:sp>
+        <p:nvSpPr>
+          <p:cNvPr id="6" name="Rectangle 5"/>
+          <p:cNvSpPr/>
+          <p:nvPr/>
+        </p:nvSpPr>
+        <p:spPr>
+          <a:xfrm>
+            <a:off x="2286000" y="2667000"/>
+            <a:ext cx="1981200" cy="990600"/>
+          </a:xfrm>
+          <a:prstGeom prst="rect">
+            <a:avLst/>
+          </a:prstGeom>
+        </p:spPr>
+        <p:style>
+          <a:lnRef idx="2">
+            <a:schemeClr val="accent1">
+              <a:shade val="50000"/>
+            </a:schemeClr>
+          </a:lnRef>
+          <a:fillRef idx="1">
+            <a:schemeClr val="accent1"/>
+          </a:fillRef>
+          <a:effectRef idx="0">
+            <a:schemeClr val="accent1"/>
+          </a:effectRef>
+          <a:fontRef idx="minor">
+            <a:schemeClr val="lt1"/>
+          </a:fontRef>
+        </p:style>
+        <p:txBody>
+          <a:bodyPr rtlCol="0" anchor="ctr"/>
+          <a:lstStyle/>
+          <a:p>
+            <a:pPr algn="ctr"/>
+            <a:r>
+              <a:rPr lang="en-US" dirty="0" smtClean="0"/>
+              <a:t>sending</a:t>
+            </a:r>
+            <a:endParaRPr lang="en-US" dirty="0"/>
+          </a:p>
+        </p:txBody>
+      </p:sp>
+      <p:sp>
+        <p:nvSpPr>
+          <p:cNvPr id="7" name="Rectangle 6"/>
+          <p:cNvSpPr/>
+          <p:nvPr/>
+        </p:nvSpPr>
+        <p:spPr>
+          <a:xfrm>
+            <a:off x="4724400" y="2667000"/>
+            <a:ext cx="2057400" cy="914400"/>
+          </a:xfrm>
+          <a:prstGeom prst="rect">
+            <a:avLst/>
+          </a:prstGeom>
+        </p:spPr>
+        <p:style>
+          <a:lnRef idx="2">
+            <a:schemeClr val="accent1">
+              <a:shade val="50000"/>
+            </a:schemeClr>
+          </a:lnRef>
+          <a:fillRef idx="1">
+            <a:schemeClr val="accent1"/>
+          </a:fillRef>
+          <a:effectRef idx="0">
+            <a:schemeClr val="accent1"/>
+          </a:effectRef>
+          <a:fontRef idx="minor">
+            <a:schemeClr val="lt1"/>
+          </a:fontRef>
+        </p:style>
+        <p:txBody>
+          <a:bodyPr rtlCol="0" anchor="ctr"/>
+          <a:lstStyle/>
+          <a:p>
+            <a:pPr algn="ctr"/>
+            <a:r>
+              <a:rPr lang="en-US" dirty="0" smtClean="0"/>
+              <a:t>finished</a:t>
+            </a:r>
+            <a:endParaRPr lang="en-US" dirty="0"/>
+          </a:p>
+        </p:txBody>
+      </p:sp>
+      <p:sp>
+        <p:nvSpPr>
+          <p:cNvPr id="8" name="Rectangle 7"/>
+          <p:cNvSpPr/>
+          <p:nvPr/>
+        </p:nvSpPr>
+        <p:spPr>
+          <a:xfrm>
+            <a:off x="3505200" y="4191000"/>
+            <a:ext cx="2057400" cy="914400"/>
+          </a:xfrm>
+          <a:prstGeom prst="rect">
+            <a:avLst/>
+          </a:prstGeom>
+        </p:spPr>
+        <p:style>
+          <a:lnRef idx="2">
+            <a:schemeClr val="accent1">
+              <a:shade val="50000"/>
+            </a:schemeClr>
+          </a:lnRef>
+          <a:fillRef idx="1">
+            <a:schemeClr val="accent1"/>
+          </a:fillRef>
+          <a:effectRef idx="0">
+            <a:schemeClr val="accent1"/>
+          </a:effectRef>
+          <a:fontRef idx="minor">
+            <a:schemeClr val="lt1"/>
+          </a:fontRef>
+        </p:style>
+        <p:txBody>
+          <a:bodyPr rtlCol="0" anchor="ctr"/>
+          <a:lstStyle/>
+          <a:p>
+            <a:pPr algn="ctr"/>
+            <a:r>
+              <a:rPr lang="en-US" dirty="0" smtClean="0"/>
+              <a:t>cancel</a:t>
+            </a:r>
+            <a:endParaRPr lang="en-US" dirty="0"/>
           </a:p>
         </p:txBody>
       </p:sp>
